--- a/Introduction to Selenium.pptx
+++ b/Introduction to Selenium.pptx
@@ -8,7 +8,7 @@
     <p:sldId id="256" r:id="rId2"/>
     <p:sldId id="257" r:id="rId3"/>
     <p:sldId id="258" r:id="rId4"/>
-    <p:sldId id="260" r:id="rId5"/>
+    <p:sldId id="263" r:id="rId5"/>
     <p:sldId id="261" r:id="rId6"/>
     <p:sldId id="262" r:id="rId7"/>
   </p:sldIdLst>
@@ -109,6 +109,11 @@
       </a:defRPr>
     </a:lvl9pPr>
   </p:defaultTextStyle>
+  <p:extLst>
+    <p:ext uri="{EFAFB233-063F-42B5-8137-9DF3F51BA10A}">
+      <p15:sldGuideLst xmlns:p15="http://schemas.microsoft.com/office/powerpoint/2012/main"/>
+    </p:ext>
+  </p:extLst>
 </p:presentation>
 </file>
 
@@ -261,7 +266,7 @@
           <a:p>
             <a:fld id="{96B04480-208F-47A5-A4FB-C14C8F3FE10F}" type="datetimeFigureOut">
               <a:rPr lang="en-IN" smtClean="0"/>
-              <a:t>10-11-2025</a:t>
+              <a:t>11-11-2025</a:t>
             </a:fld>
             <a:endParaRPr lang="en-IN"/>
           </a:p>
@@ -461,7 +466,7 @@
           <a:p>
             <a:fld id="{96B04480-208F-47A5-A4FB-C14C8F3FE10F}" type="datetimeFigureOut">
               <a:rPr lang="en-IN" smtClean="0"/>
-              <a:t>10-11-2025</a:t>
+              <a:t>11-11-2025</a:t>
             </a:fld>
             <a:endParaRPr lang="en-IN"/>
           </a:p>
@@ -671,7 +676,7 @@
           <a:p>
             <a:fld id="{96B04480-208F-47A5-A4FB-C14C8F3FE10F}" type="datetimeFigureOut">
               <a:rPr lang="en-IN" smtClean="0"/>
-              <a:t>10-11-2025</a:t>
+              <a:t>11-11-2025</a:t>
             </a:fld>
             <a:endParaRPr lang="en-IN"/>
           </a:p>
@@ -871,7 +876,7 @@
           <a:p>
             <a:fld id="{96B04480-208F-47A5-A4FB-C14C8F3FE10F}" type="datetimeFigureOut">
               <a:rPr lang="en-IN" smtClean="0"/>
-              <a:t>10-11-2025</a:t>
+              <a:t>11-11-2025</a:t>
             </a:fld>
             <a:endParaRPr lang="en-IN"/>
           </a:p>
@@ -1147,7 +1152,7 @@
           <a:p>
             <a:fld id="{96B04480-208F-47A5-A4FB-C14C8F3FE10F}" type="datetimeFigureOut">
               <a:rPr lang="en-IN" smtClean="0"/>
-              <a:t>10-11-2025</a:t>
+              <a:t>11-11-2025</a:t>
             </a:fld>
             <a:endParaRPr lang="en-IN"/>
           </a:p>
@@ -1415,7 +1420,7 @@
           <a:p>
             <a:fld id="{96B04480-208F-47A5-A4FB-C14C8F3FE10F}" type="datetimeFigureOut">
               <a:rPr lang="en-IN" smtClean="0"/>
-              <a:t>10-11-2025</a:t>
+              <a:t>11-11-2025</a:t>
             </a:fld>
             <a:endParaRPr lang="en-IN"/>
           </a:p>
@@ -1830,7 +1835,7 @@
           <a:p>
             <a:fld id="{96B04480-208F-47A5-A4FB-C14C8F3FE10F}" type="datetimeFigureOut">
               <a:rPr lang="en-IN" smtClean="0"/>
-              <a:t>10-11-2025</a:t>
+              <a:t>11-11-2025</a:t>
             </a:fld>
             <a:endParaRPr lang="en-IN"/>
           </a:p>
@@ -1972,7 +1977,7 @@
           <a:p>
             <a:fld id="{96B04480-208F-47A5-A4FB-C14C8F3FE10F}" type="datetimeFigureOut">
               <a:rPr lang="en-IN" smtClean="0"/>
-              <a:t>10-11-2025</a:t>
+              <a:t>11-11-2025</a:t>
             </a:fld>
             <a:endParaRPr lang="en-IN"/>
           </a:p>
@@ -2085,7 +2090,7 @@
           <a:p>
             <a:fld id="{96B04480-208F-47A5-A4FB-C14C8F3FE10F}" type="datetimeFigureOut">
               <a:rPr lang="en-IN" smtClean="0"/>
-              <a:t>10-11-2025</a:t>
+              <a:t>11-11-2025</a:t>
             </a:fld>
             <a:endParaRPr lang="en-IN"/>
           </a:p>
@@ -2398,7 +2403,7 @@
           <a:p>
             <a:fld id="{96B04480-208F-47A5-A4FB-C14C8F3FE10F}" type="datetimeFigureOut">
               <a:rPr lang="en-IN" smtClean="0"/>
-              <a:t>10-11-2025</a:t>
+              <a:t>11-11-2025</a:t>
             </a:fld>
             <a:endParaRPr lang="en-IN"/>
           </a:p>
@@ -2687,7 +2692,7 @@
           <a:p>
             <a:fld id="{96B04480-208F-47A5-A4FB-C14C8F3FE10F}" type="datetimeFigureOut">
               <a:rPr lang="en-IN" smtClean="0"/>
-              <a:t>10-11-2025</a:t>
+              <a:t>11-11-2025</a:t>
             </a:fld>
             <a:endParaRPr lang="en-IN"/>
           </a:p>
@@ -2930,7 +2935,7 @@
           <a:p>
             <a:fld id="{96B04480-208F-47A5-A4FB-C14C8F3FE10F}" type="datetimeFigureOut">
               <a:rPr lang="en-IN" smtClean="0"/>
-              <a:t>10-11-2025</a:t>
+              <a:t>11-11-2025</a:t>
             </a:fld>
             <a:endParaRPr lang="en-IN"/>
           </a:p>
@@ -3368,7 +3373,11 @@
           <a:bodyPr/>
           <a:lstStyle/>
           <a:p>
-            <a:endParaRPr lang="en-IN"/>
+            <a:r>
+              <a:rPr lang="en-US" dirty="0"/>
+              <a:t>Selenium</a:t>
+            </a:r>
+            <a:endParaRPr lang="en-IN" dirty="0"/>
           </a:p>
         </p:txBody>
       </p:sp>
@@ -3488,31 +3497,7 @@
             </a:r>
             <a:r>
               <a:rPr lang="en-US" dirty="0"/>
-              <a:t> is a </a:t>
-            </a:r>
-            <a:r>
-              <a:rPr lang="en-US" b="1" dirty="0"/>
-              <a:t>free and open-source</a:t>
-            </a:r>
-            <a:r>
-              <a:rPr lang="en-US" dirty="0"/>
-              <a:t> automation framework used for testing </a:t>
-            </a:r>
-            <a:r>
-              <a:rPr lang="en-US" b="1" dirty="0"/>
-              <a:t>web applications</a:t>
-            </a:r>
-            <a:r>
-              <a:rPr lang="en-US" dirty="0"/>
-              <a:t> across different </a:t>
-            </a:r>
-            <a:r>
-              <a:rPr lang="en-US" b="1" dirty="0"/>
-              <a:t>browsers and platforms</a:t>
-            </a:r>
-            <a:r>
-              <a:rPr lang="en-US" dirty="0"/>
-              <a:t>.</a:t>
+              <a:t> is a free and open-source automation framework used for testing web applications across different browsers and platforms.</a:t>
             </a:r>
           </a:p>
           <a:p>
@@ -4174,10 +4159,35 @@
       </p:grpSpPr>
       <p:sp>
         <p:nvSpPr>
-          <p:cNvPr id="3" name="Text Placeholder 2">
-            <a:extLst>
-              <a:ext uri="{FF2B5EF4-FFF2-40B4-BE49-F238E27FC236}">
-                <a16:creationId xmlns:a16="http://schemas.microsoft.com/office/drawing/2014/main" id="{B676AC60-E7EE-E55D-C1D8-25AA7BD9B8BD}"/>
+          <p:cNvPr id="4" name="Title 3">
+            <a:extLst>
+              <a:ext uri="{FF2B5EF4-FFF2-40B4-BE49-F238E27FC236}">
+                <a16:creationId xmlns:a16="http://schemas.microsoft.com/office/drawing/2014/main" id="{B30661F5-C268-38C9-D001-C4BFE513D23E}"/>
+              </a:ext>
+            </a:extLst>
+          </p:cNvPr>
+          <p:cNvSpPr>
+            <a:spLocks noGrp="1"/>
+          </p:cNvSpPr>
+          <p:nvPr>
+            <p:ph type="title"/>
+          </p:nvPr>
+        </p:nvSpPr>
+        <p:spPr/>
+        <p:txBody>
+          <a:bodyPr/>
+          <a:lstStyle/>
+          <a:p>
+            <a:endParaRPr lang="en-IN"/>
+          </a:p>
+        </p:txBody>
+      </p:sp>
+      <p:sp>
+        <p:nvSpPr>
+          <p:cNvPr id="5" name="Text Placeholder 4">
+            <a:extLst>
+              <a:ext uri="{FF2B5EF4-FFF2-40B4-BE49-F238E27FC236}">
+                <a16:creationId xmlns:a16="http://schemas.microsoft.com/office/drawing/2014/main" id="{16999332-FD00-D722-F8EC-D21C935F2CD5}"/>
               </a:ext>
             </a:extLst>
           </p:cNvPr>
@@ -4188,12 +4198,7 @@
             <p:ph type="body" idx="1"/>
           </p:nvPr>
         </p:nvSpPr>
-        <p:spPr>
-          <a:xfrm>
-            <a:off x="839788" y="178934"/>
-            <a:ext cx="5157787" cy="823912"/>
-          </a:xfrm>
-        </p:spPr>
+        <p:spPr/>
         <p:txBody>
           <a:bodyPr/>
           <a:lstStyle/>
@@ -4211,109 +4216,28 @@
       </p:sp>
       <p:sp>
         <p:nvSpPr>
-          <p:cNvPr id="5" name="Text Placeholder 4">
-            <a:extLst>
-              <a:ext uri="{FF2B5EF4-FFF2-40B4-BE49-F238E27FC236}">
-                <a16:creationId xmlns:a16="http://schemas.microsoft.com/office/drawing/2014/main" id="{77E004A5-BA9F-058C-2E35-C7A4D156E81C}"/>
-              </a:ext>
-            </a:extLst>
-          </p:cNvPr>
-          <p:cNvSpPr>
-            <a:spLocks noGrp="1"/>
-          </p:cNvSpPr>
-          <p:nvPr>
-            <p:ph type="body" sz="quarter" idx="3"/>
-          </p:nvPr>
-        </p:nvSpPr>
-        <p:spPr>
-          <a:xfrm>
-            <a:off x="5997575" y="178934"/>
-            <a:ext cx="5183188" cy="823912"/>
-          </a:xfrm>
-        </p:spPr>
-        <p:txBody>
-          <a:bodyPr/>
-          <a:lstStyle/>
-          <a:p>
-            <a:r>
-              <a:rPr lang="en-IN" dirty="0">
-                <a:solidFill>
-                  <a:srgbClr val="7030A0"/>
-                </a:solidFill>
-              </a:rPr>
-              <a:t>Limitations of Selenium</a:t>
-            </a:r>
-          </a:p>
-        </p:txBody>
-      </p:sp>
-      <p:sp>
-        <p:nvSpPr>
-          <p:cNvPr id="7" name="Rectangle 1">
-            <a:extLst>
-              <a:ext uri="{FF2B5EF4-FFF2-40B4-BE49-F238E27FC236}">
-                <a16:creationId xmlns:a16="http://schemas.microsoft.com/office/drawing/2014/main" id="{C54A6DD1-B7FE-CE4D-4F9B-6BEC3139CE85}"/>
-              </a:ext>
-            </a:extLst>
-          </p:cNvPr>
-          <p:cNvSpPr>
-            <a:spLocks noGrp="1" noChangeArrowheads="1"/>
+          <p:cNvPr id="6" name="Content Placeholder 5">
+            <a:extLst>
+              <a:ext uri="{FF2B5EF4-FFF2-40B4-BE49-F238E27FC236}">
+                <a16:creationId xmlns:a16="http://schemas.microsoft.com/office/drawing/2014/main" id="{FCE4B0D1-11CB-50FB-1894-1F91EBBD7DE8}"/>
+              </a:ext>
+            </a:extLst>
+          </p:cNvPr>
+          <p:cNvSpPr>
+            <a:spLocks noGrp="1"/>
           </p:cNvSpPr>
           <p:nvPr>
             <p:ph sz="half" idx="2"/>
           </p:nvPr>
         </p:nvSpPr>
-        <p:spPr bwMode="auto">
-          <a:xfrm>
-            <a:off x="922758" y="1175657"/>
-            <a:ext cx="4991845" cy="3046988"/>
-          </a:xfrm>
-          <a:prstGeom prst="rect">
-            <a:avLst/>
-          </a:prstGeom>
-          <a:noFill/>
-          <a:ln>
-            <a:noFill/>
-          </a:ln>
-          <a:effectLst/>
-          <a:extLst>
-            <a:ext uri="{909E8E84-426E-40DD-AFC4-6F175D3DCCD1}">
-              <a14:hiddenFill xmlns:a14="http://schemas.microsoft.com/office/drawing/2010/main">
-                <a:solidFill>
-                  <a:schemeClr val="accent1"/>
-                </a:solidFill>
-              </a14:hiddenFill>
-            </a:ext>
-            <a:ext uri="{91240B29-F687-4F45-9708-019B960494DF}">
-              <a14:hiddenLine xmlns:a14="http://schemas.microsoft.com/office/drawing/2010/main" w="9525">
-                <a:solidFill>
-                  <a:schemeClr val="tx1"/>
-                </a:solidFill>
-                <a:miter lim="800000"/>
-                <a:headEnd/>
-                <a:tailEnd/>
-              </a14:hiddenLine>
-            </a:ext>
-            <a:ext uri="{AF507438-7753-43E0-B8FC-AC1667EBCBE1}">
-              <a14:hiddenEffects xmlns:a14="http://schemas.microsoft.com/office/drawing/2010/main">
-                <a:effectLst>
-                  <a:outerShdw dist="35921" dir="2700000" algn="ctr" rotWithShape="0">
-                    <a:schemeClr val="bg2"/>
-                  </a:outerShdw>
-                </a:effectLst>
-              </a14:hiddenEffects>
-            </a:ext>
-          </a:extLst>
-        </p:spPr>
-        <p:txBody>
-          <a:bodyPr vert="horz" wrap="square" lIns="91440" tIns="45720" rIns="91440" bIns="45720" numCol="1" anchor="ctr" anchorCtr="0" compatLnSpc="1">
-            <a:prstTxWarp prst="textNoShape">
-              <a:avLst/>
-            </a:prstTxWarp>
-            <a:spAutoFit/>
+        <p:spPr/>
+        <p:txBody>
+          <a:bodyPr>
+            <a:normAutofit fontScale="92500" lnSpcReduction="10000"/>
           </a:bodyPr>
           <a:lstStyle/>
           <a:p>
-            <a:pPr marL="0" marR="0" lvl="0" indent="0" algn="l" defTabSz="914400" rtl="0" eaLnBrk="0" fontAlgn="base" latinLnBrk="0" hangingPunct="0">
+            <a:pPr eaLnBrk="0" fontAlgn="base" hangingPunct="0">
               <a:lnSpc>
                 <a:spcPct val="100000"/>
               </a:lnSpc>
@@ -4323,27 +4247,14 @@
               <a:spcAft>
                 <a:spcPct val="0"/>
               </a:spcAft>
-              <a:buClrTx/>
-              <a:buSzTx/>
-              <a:buFontTx/>
-              <a:buChar char="•"/>
-              <a:tabLst/>
             </a:pPr>
             <a:r>
-              <a:rPr kumimoji="0" lang="en-US" altLang="en-US" sz="2400" b="0" i="0" u="none" strike="noStrike" cap="none" normalizeH="0" baseline="0" dirty="0">
-                <a:ln>
-                  <a:noFill/>
-                </a:ln>
-                <a:solidFill>
-                  <a:schemeClr val="tx1"/>
-                </a:solidFill>
-                <a:effectLst/>
-              </a:rPr>
+              <a:rPr lang="en-US" altLang="en-US" dirty="0"/>
               <a:t>Works with multiple browsers and OS</a:t>
             </a:r>
           </a:p>
           <a:p>
-            <a:pPr marL="0" marR="0" lvl="0" indent="0" algn="l" defTabSz="914400" rtl="0" eaLnBrk="0" fontAlgn="base" latinLnBrk="0" hangingPunct="0">
+            <a:pPr eaLnBrk="0" fontAlgn="base" hangingPunct="0">
               <a:lnSpc>
                 <a:spcPct val="100000"/>
               </a:lnSpc>
@@ -4353,123 +4264,46 @@
               <a:spcAft>
                 <a:spcPct val="0"/>
               </a:spcAft>
-              <a:buClrTx/>
-              <a:buSzTx/>
-              <a:buFontTx/>
-              <a:buChar char="•"/>
-              <a:tabLst/>
             </a:pPr>
             <a:r>
-              <a:rPr kumimoji="0" lang="en-US" altLang="en-US" sz="2400" b="0" i="0" u="none" strike="noStrike" cap="none" normalizeH="0" baseline="0" dirty="0">
-                <a:ln>
-                  <a:noFill/>
-                </a:ln>
-                <a:solidFill>
-                  <a:schemeClr val="tx1"/>
-                </a:solidFill>
-                <a:effectLst/>
-              </a:rPr>
+              <a:rPr lang="en-US" altLang="en-US" dirty="0"/>
               <a:t>Integrates with </a:t>
             </a:r>
             <a:r>
-              <a:rPr kumimoji="0" lang="en-US" altLang="en-US" sz="2400" b="1" i="0" u="none" strike="noStrike" cap="none" normalizeH="0" baseline="0" dirty="0">
-                <a:ln>
-                  <a:noFill/>
-                </a:ln>
-                <a:solidFill>
-                  <a:schemeClr val="tx1"/>
-                </a:solidFill>
-                <a:effectLst/>
-              </a:rPr>
+              <a:rPr lang="en-US" altLang="en-US" b="1" dirty="0"/>
               <a:t>TestNG</a:t>
             </a:r>
             <a:r>
-              <a:rPr kumimoji="0" lang="en-US" altLang="en-US" sz="2400" b="0" i="0" u="none" strike="noStrike" cap="none" normalizeH="0" baseline="0" dirty="0">
-                <a:ln>
-                  <a:noFill/>
-                </a:ln>
-                <a:solidFill>
-                  <a:schemeClr val="tx1"/>
-                </a:solidFill>
-                <a:effectLst/>
-              </a:rPr>
+              <a:rPr lang="en-US" altLang="en-US" dirty="0"/>
               <a:t>, </a:t>
             </a:r>
             <a:r>
-              <a:rPr kumimoji="0" lang="en-US" altLang="en-US" sz="2400" b="1" i="0" u="none" strike="noStrike" cap="none" normalizeH="0" baseline="0" dirty="0">
-                <a:ln>
-                  <a:noFill/>
-                </a:ln>
-                <a:solidFill>
-                  <a:schemeClr val="tx1"/>
-                </a:solidFill>
-                <a:effectLst/>
-              </a:rPr>
+              <a:rPr lang="en-US" altLang="en-US" b="1" dirty="0"/>
               <a:t>Maven</a:t>
             </a:r>
             <a:r>
-              <a:rPr kumimoji="0" lang="en-US" altLang="en-US" sz="2400" b="0" i="0" u="none" strike="noStrike" cap="none" normalizeH="0" baseline="0" dirty="0">
-                <a:ln>
-                  <a:noFill/>
-                </a:ln>
-                <a:solidFill>
-                  <a:schemeClr val="tx1"/>
-                </a:solidFill>
-                <a:effectLst/>
-              </a:rPr>
+              <a:rPr lang="en-US" altLang="en-US" dirty="0"/>
               <a:t>, </a:t>
             </a:r>
             <a:r>
-              <a:rPr kumimoji="0" lang="en-US" altLang="en-US" sz="2400" b="1" i="0" u="none" strike="noStrike" cap="none" normalizeH="0" baseline="0" dirty="0">
-                <a:ln>
-                  <a:noFill/>
-                </a:ln>
-                <a:solidFill>
-                  <a:schemeClr val="tx1"/>
-                </a:solidFill>
-                <a:effectLst/>
-              </a:rPr>
+              <a:rPr lang="en-US" altLang="en-US" b="1" dirty="0"/>
               <a:t>Jenkins</a:t>
             </a:r>
             <a:r>
-              <a:rPr kumimoji="0" lang="en-US" altLang="en-US" sz="2400" b="0" i="0" u="none" strike="noStrike" cap="none" normalizeH="0" baseline="0" dirty="0">
-                <a:ln>
-                  <a:noFill/>
-                </a:ln>
-                <a:solidFill>
-                  <a:schemeClr val="tx1"/>
-                </a:solidFill>
-                <a:effectLst/>
-              </a:rPr>
+              <a:rPr lang="en-US" altLang="en-US" dirty="0"/>
               <a:t>, </a:t>
             </a:r>
             <a:r>
-              <a:rPr kumimoji="0" lang="en-US" altLang="en-US" sz="2400" b="1" i="0" u="none" strike="noStrike" cap="none" normalizeH="0" baseline="0" dirty="0">
-                <a:ln>
-                  <a:noFill/>
-                </a:ln>
-                <a:solidFill>
-                  <a:schemeClr val="tx1"/>
-                </a:solidFill>
-                <a:effectLst/>
-              </a:rPr>
+              <a:rPr lang="en-US" altLang="en-US" b="1" dirty="0"/>
               <a:t>Git</a:t>
             </a:r>
             <a:r>
-              <a:rPr kumimoji="0" lang="en-US" altLang="en-US" sz="2400" b="0" i="0" u="none" strike="noStrike" cap="none" normalizeH="0" baseline="0" dirty="0">
-                <a:ln>
-                  <a:noFill/>
-                </a:ln>
-                <a:solidFill>
-                  <a:schemeClr val="tx1"/>
-                </a:solidFill>
-                <a:effectLst/>
-              </a:rPr>
+              <a:rPr lang="en-US" altLang="en-US" dirty="0"/>
               <a:t>, etc.</a:t>
             </a:r>
           </a:p>
           <a:p>
-            <a:pPr marL="0" marR="0" lvl="0" indent="0" algn="l" defTabSz="914400" rtl="0" eaLnBrk="0" fontAlgn="base" latinLnBrk="0" hangingPunct="0">
+            <a:pPr eaLnBrk="0" fontAlgn="base" hangingPunct="0">
               <a:lnSpc>
                 <a:spcPct val="100000"/>
               </a:lnSpc>
@@ -4479,27 +4313,14 @@
               <a:spcAft>
                 <a:spcPct val="0"/>
               </a:spcAft>
-              <a:buClrTx/>
-              <a:buSzTx/>
-              <a:buFontTx/>
-              <a:buChar char="•"/>
-              <a:tabLst/>
             </a:pPr>
             <a:r>
-              <a:rPr kumimoji="0" lang="en-US" altLang="en-US" sz="2400" b="0" i="0" u="none" strike="noStrike" cap="none" normalizeH="0" baseline="0" dirty="0">
-                <a:ln>
-                  <a:noFill/>
-                </a:ln>
-                <a:solidFill>
-                  <a:schemeClr val="tx1"/>
-                </a:solidFill>
-                <a:effectLst/>
-              </a:rPr>
+              <a:rPr lang="en-US" altLang="en-US" dirty="0"/>
               <a:t>Can be combined with frameworks (POM, Data-driven, Hybrid)</a:t>
             </a:r>
           </a:p>
           <a:p>
-            <a:pPr marL="0" marR="0" lvl="0" indent="0" algn="l" defTabSz="914400" rtl="0" eaLnBrk="0" fontAlgn="base" latinLnBrk="0" hangingPunct="0">
+            <a:pPr eaLnBrk="0" fontAlgn="base" hangingPunct="0">
               <a:lnSpc>
                 <a:spcPct val="100000"/>
               </a:lnSpc>
@@ -4509,27 +4330,14 @@
               <a:spcAft>
                 <a:spcPct val="0"/>
               </a:spcAft>
-              <a:buClrTx/>
-              <a:buSzTx/>
-              <a:buFontTx/>
-              <a:buChar char="•"/>
-              <a:tabLst/>
             </a:pPr>
             <a:r>
-              <a:rPr kumimoji="0" lang="en-US" altLang="en-US" sz="2400" b="0" i="0" u="none" strike="noStrike" cap="none" normalizeH="0" baseline="0" dirty="0">
-                <a:ln>
-                  <a:noFill/>
-                </a:ln>
-                <a:solidFill>
-                  <a:schemeClr val="tx1"/>
-                </a:solidFill>
-                <a:effectLst/>
-              </a:rPr>
+              <a:rPr lang="en-US" altLang="en-US" dirty="0"/>
               <a:t>Large community and active support</a:t>
             </a:r>
           </a:p>
           <a:p>
-            <a:pPr marL="0" marR="0" lvl="0" indent="0" algn="l" defTabSz="914400" rtl="0" eaLnBrk="0" fontAlgn="base" latinLnBrk="0" hangingPunct="0">
+            <a:pPr eaLnBrk="0" fontAlgn="base" hangingPunct="0">
               <a:lnSpc>
                 <a:spcPct val="100000"/>
               </a:lnSpc>
@@ -4539,95 +4347,71 @@
               <a:spcAft>
                 <a:spcPct val="0"/>
               </a:spcAft>
-              <a:buClrTx/>
-              <a:buSzTx/>
-              <a:buFontTx/>
-              <a:buChar char="•"/>
-              <a:tabLst/>
             </a:pPr>
             <a:r>
-              <a:rPr kumimoji="0" lang="en-US" altLang="en-US" sz="2400" b="0" i="0" u="none" strike="noStrike" cap="none" normalizeH="0" baseline="0" dirty="0">
-                <a:ln>
-                  <a:noFill/>
-                </a:ln>
+              <a:rPr lang="en-US" altLang="en-US" dirty="0"/>
+              <a:t>Saves time and improves test coverage</a:t>
+            </a:r>
+            <a:endParaRPr lang="en-IN" dirty="0"/>
+          </a:p>
+        </p:txBody>
+      </p:sp>
+      <p:sp>
+        <p:nvSpPr>
+          <p:cNvPr id="7" name="Text Placeholder 6">
+            <a:extLst>
+              <a:ext uri="{FF2B5EF4-FFF2-40B4-BE49-F238E27FC236}">
+                <a16:creationId xmlns:a16="http://schemas.microsoft.com/office/drawing/2014/main" id="{AF5ECF07-695E-4E73-D91E-E96CD7F8FDE2}"/>
+              </a:ext>
+            </a:extLst>
+          </p:cNvPr>
+          <p:cNvSpPr>
+            <a:spLocks noGrp="1"/>
+          </p:cNvSpPr>
+          <p:nvPr>
+            <p:ph type="body" sz="quarter" idx="3"/>
+          </p:nvPr>
+        </p:nvSpPr>
+        <p:spPr/>
+        <p:txBody>
+          <a:bodyPr/>
+          <a:lstStyle/>
+          <a:p>
+            <a:r>
+              <a:rPr lang="en-IN" dirty="0">
                 <a:solidFill>
-                  <a:schemeClr val="tx1"/>
+                  <a:srgbClr val="7030A0"/>
                 </a:solidFill>
-                <a:effectLst/>
               </a:rPr>
-              <a:t>Saves time and improves test coverage</a:t>
-            </a:r>
-          </a:p>
-        </p:txBody>
-      </p:sp>
-      <p:sp>
-        <p:nvSpPr>
-          <p:cNvPr id="8" name="Rectangle 2">
-            <a:extLst>
-              <a:ext uri="{FF2B5EF4-FFF2-40B4-BE49-F238E27FC236}">
-                <a16:creationId xmlns:a16="http://schemas.microsoft.com/office/drawing/2014/main" id="{C19F8E18-7B7F-EAE0-C062-0D1A203D34B5}"/>
-              </a:ext>
-            </a:extLst>
-          </p:cNvPr>
-          <p:cNvSpPr>
-            <a:spLocks noGrp="1" noChangeArrowheads="1"/>
+              <a:t>Limitations of Selenium</a:t>
+            </a:r>
+          </a:p>
+        </p:txBody>
+      </p:sp>
+      <p:sp>
+        <p:nvSpPr>
+          <p:cNvPr id="8" name="Content Placeholder 7">
+            <a:extLst>
+              <a:ext uri="{FF2B5EF4-FFF2-40B4-BE49-F238E27FC236}">
+                <a16:creationId xmlns:a16="http://schemas.microsoft.com/office/drawing/2014/main" id="{6DEA59B2-A75E-A865-0666-E3DE252DF7F3}"/>
+              </a:ext>
+            </a:extLst>
+          </p:cNvPr>
+          <p:cNvSpPr>
+            <a:spLocks noGrp="1"/>
           </p:cNvSpPr>
           <p:nvPr>
             <p:ph sz="quarter" idx="4"/>
           </p:nvPr>
         </p:nvSpPr>
-        <p:spPr bwMode="auto">
-          <a:xfrm>
-            <a:off x="6096000" y="1175657"/>
-            <a:ext cx="5677678" cy="2677656"/>
-          </a:xfrm>
-          <a:prstGeom prst="rect">
-            <a:avLst/>
-          </a:prstGeom>
-          <a:noFill/>
-          <a:ln>
-            <a:noFill/>
-          </a:ln>
-          <a:effectLst/>
-          <a:extLst>
-            <a:ext uri="{909E8E84-426E-40DD-AFC4-6F175D3DCCD1}">
-              <a14:hiddenFill xmlns:a14="http://schemas.microsoft.com/office/drawing/2010/main">
-                <a:solidFill>
-                  <a:schemeClr val="accent1"/>
-                </a:solidFill>
-              </a14:hiddenFill>
-            </a:ext>
-            <a:ext uri="{91240B29-F687-4F45-9708-019B960494DF}">
-              <a14:hiddenLine xmlns:a14="http://schemas.microsoft.com/office/drawing/2010/main" w="9525">
-                <a:solidFill>
-                  <a:schemeClr val="tx1"/>
-                </a:solidFill>
-                <a:miter lim="800000"/>
-                <a:headEnd/>
-                <a:tailEnd/>
-              </a14:hiddenLine>
-            </a:ext>
-            <a:ext uri="{AF507438-7753-43E0-B8FC-AC1667EBCBE1}">
-              <a14:hiddenEffects xmlns:a14="http://schemas.microsoft.com/office/drawing/2010/main">
-                <a:effectLst>
-                  <a:outerShdw dist="35921" dir="2700000" algn="ctr" rotWithShape="0">
-                    <a:schemeClr val="bg2"/>
-                  </a:outerShdw>
-                </a:effectLst>
-              </a14:hiddenEffects>
-            </a:ext>
-          </a:extLst>
-        </p:spPr>
-        <p:txBody>
-          <a:bodyPr vert="horz" wrap="square" lIns="91440" tIns="45720" rIns="91440" bIns="45720" numCol="1" anchor="ctr" anchorCtr="0" compatLnSpc="1">
-            <a:prstTxWarp prst="textNoShape">
-              <a:avLst/>
-            </a:prstTxWarp>
-            <a:spAutoFit/>
+        <p:spPr/>
+        <p:txBody>
+          <a:bodyPr>
+            <a:normAutofit fontScale="92500" lnSpcReduction="10000"/>
           </a:bodyPr>
           <a:lstStyle/>
           <a:p>
-            <a:pPr marL="0" marR="0" lvl="0" indent="0" algn="l" defTabSz="914400" rtl="0" eaLnBrk="0" fontAlgn="base" latinLnBrk="0" hangingPunct="0">
+            <a:pPr eaLnBrk="0" fontAlgn="base" hangingPunct="0">
               <a:lnSpc>
                 <a:spcPct val="100000"/>
               </a:lnSpc>
@@ -4637,51 +4421,22 @@
               <a:spcAft>
                 <a:spcPct val="0"/>
               </a:spcAft>
-              <a:buClrTx/>
-              <a:buSzTx/>
-              <a:buFontTx/>
-              <a:buChar char="•"/>
-              <a:tabLst/>
             </a:pPr>
             <a:r>
-              <a:rPr kumimoji="0" lang="en-US" altLang="en-US" sz="2400" b="0" i="0" u="none" strike="noStrike" cap="none" normalizeH="0" baseline="0" dirty="0">
-                <a:ln>
-                  <a:noFill/>
-                </a:ln>
-                <a:solidFill>
-                  <a:schemeClr val="tx1"/>
-                </a:solidFill>
-                <a:effectLst/>
-              </a:rPr>
+              <a:rPr lang="en-US" altLang="en-US" dirty="0"/>
               <a:t>Works only for </a:t>
             </a:r>
             <a:r>
-              <a:rPr kumimoji="0" lang="en-US" altLang="en-US" sz="2400" b="1" i="0" u="none" strike="noStrike" cap="none" normalizeH="0" baseline="0" dirty="0">
-                <a:ln>
-                  <a:noFill/>
-                </a:ln>
-                <a:solidFill>
-                  <a:schemeClr val="tx1"/>
-                </a:solidFill>
-                <a:effectLst/>
-              </a:rPr>
+              <a:rPr lang="en-US" altLang="en-US" b="1" dirty="0"/>
               <a:t>web applications</a:t>
             </a:r>
             <a:r>
-              <a:rPr kumimoji="0" lang="en-US" altLang="en-US" sz="2400" b="0" i="0" u="none" strike="noStrike" cap="none" normalizeH="0" baseline="0" dirty="0">
-                <a:ln>
-                  <a:noFill/>
-                </a:ln>
-                <a:solidFill>
-                  <a:schemeClr val="tx1"/>
-                </a:solidFill>
-                <a:effectLst/>
-              </a:rPr>
+              <a:rPr lang="en-US" altLang="en-US" dirty="0"/>
               <a:t> (not desktop or mobile natively)</a:t>
             </a:r>
           </a:p>
           <a:p>
-            <a:pPr marL="0" marR="0" lvl="0" indent="0" algn="l" defTabSz="914400" rtl="0" eaLnBrk="0" fontAlgn="base" latinLnBrk="0" hangingPunct="0">
+            <a:pPr eaLnBrk="0" fontAlgn="base" hangingPunct="0">
               <a:lnSpc>
                 <a:spcPct val="100000"/>
               </a:lnSpc>
@@ -4691,48 +4446,19 @@
               <a:spcAft>
                 <a:spcPct val="0"/>
               </a:spcAft>
-              <a:buClrTx/>
-              <a:buSzTx/>
-              <a:buFontTx/>
-              <a:buChar char="•"/>
-              <a:tabLst/>
             </a:pPr>
             <a:r>
-              <a:rPr kumimoji="0" lang="en-US" altLang="en-US" sz="2400" b="0" i="0" u="none" strike="noStrike" cap="none" normalizeH="0" baseline="0" dirty="0">
-                <a:ln>
-                  <a:noFill/>
-                </a:ln>
-                <a:solidFill>
-                  <a:schemeClr val="tx1"/>
-                </a:solidFill>
-                <a:effectLst/>
-              </a:rPr>
+              <a:rPr lang="en-US" altLang="en-US" dirty="0"/>
               <a:t>No built-in reporting — needs TestNG or </a:t>
             </a:r>
             <a:r>
-              <a:rPr kumimoji="0" lang="en-US" altLang="en-US" sz="2400" b="0" i="0" u="none" strike="noStrike" cap="none" normalizeH="0" baseline="0" dirty="0" err="1">
-                <a:ln>
-                  <a:noFill/>
-                </a:ln>
-                <a:solidFill>
-                  <a:schemeClr val="tx1"/>
-                </a:solidFill>
-                <a:effectLst/>
-              </a:rPr>
+              <a:rPr lang="en-US" altLang="en-US" dirty="0" err="1"/>
               <a:t>ExtentReports</a:t>
             </a:r>
-            <a:endParaRPr kumimoji="0" lang="en-US" altLang="en-US" sz="2400" b="0" i="0" u="none" strike="noStrike" cap="none" normalizeH="0" baseline="0" dirty="0">
-              <a:ln>
-                <a:noFill/>
-              </a:ln>
-              <a:solidFill>
-                <a:schemeClr val="tx1"/>
-              </a:solidFill>
-              <a:effectLst/>
-            </a:endParaRPr>
-          </a:p>
-          <a:p>
-            <a:pPr marL="0" marR="0" lvl="0" indent="0" algn="l" defTabSz="914400" rtl="0" eaLnBrk="0" fontAlgn="base" latinLnBrk="0" hangingPunct="0">
+            <a:endParaRPr lang="en-US" altLang="en-US" dirty="0"/>
+          </a:p>
+          <a:p>
+            <a:pPr eaLnBrk="0" fontAlgn="base" hangingPunct="0">
               <a:lnSpc>
                 <a:spcPct val="100000"/>
               </a:lnSpc>
@@ -4742,27 +4468,14 @@
               <a:spcAft>
                 <a:spcPct val="0"/>
               </a:spcAft>
-              <a:buClrTx/>
-              <a:buSzTx/>
-              <a:buFontTx/>
-              <a:buChar char="•"/>
-              <a:tabLst/>
             </a:pPr>
             <a:r>
-              <a:rPr kumimoji="0" lang="en-US" altLang="en-US" sz="2400" b="0" i="0" u="none" strike="noStrike" cap="none" normalizeH="0" baseline="0" dirty="0">
-                <a:ln>
-                  <a:noFill/>
-                </a:ln>
-                <a:solidFill>
-                  <a:schemeClr val="tx1"/>
-                </a:solidFill>
-                <a:effectLst/>
-              </a:rPr>
+              <a:rPr lang="en-US" altLang="en-US" dirty="0"/>
               <a:t>Requires programming knowledge</a:t>
             </a:r>
           </a:p>
           <a:p>
-            <a:pPr marL="0" marR="0" lvl="0" indent="0" algn="l" defTabSz="914400" rtl="0" eaLnBrk="0" fontAlgn="base" latinLnBrk="0" hangingPunct="0">
+            <a:pPr eaLnBrk="0" fontAlgn="base" hangingPunct="0">
               <a:lnSpc>
                 <a:spcPct val="100000"/>
               </a:lnSpc>
@@ -4772,68 +4485,18 @@
               <a:spcAft>
                 <a:spcPct val="0"/>
               </a:spcAft>
-              <a:buClrTx/>
-              <a:buSzTx/>
-              <a:buFontTx/>
-              <a:buChar char="•"/>
-              <a:tabLst/>
             </a:pPr>
             <a:r>
-              <a:rPr kumimoji="0" lang="en-US" altLang="en-US" sz="2400" b="0" i="0" u="none" strike="noStrike" cap="none" normalizeH="0" baseline="0" dirty="0">
-                <a:ln>
-                  <a:noFill/>
-                </a:ln>
-                <a:solidFill>
-                  <a:schemeClr val="tx1"/>
-                </a:solidFill>
-                <a:effectLst/>
-              </a:rPr>
+              <a:rPr lang="en-US" altLang="en-US" dirty="0"/>
               <a:t>Maintenance effort for dynamic web elements</a:t>
             </a:r>
           </a:p>
         </p:txBody>
       </p:sp>
-      <p:cxnSp>
-        <p:nvCxnSpPr>
-          <p:cNvPr id="10" name="Straight Connector 9">
-            <a:extLst>
-              <a:ext uri="{FF2B5EF4-FFF2-40B4-BE49-F238E27FC236}">
-                <a16:creationId xmlns:a16="http://schemas.microsoft.com/office/drawing/2014/main" id="{7C3AC95D-A643-696B-AD51-7F50D3B94AC0}"/>
-              </a:ext>
-            </a:extLst>
-          </p:cNvPr>
-          <p:cNvCxnSpPr/>
-          <p:nvPr/>
-        </p:nvCxnSpPr>
-        <p:spPr>
-          <a:xfrm>
-            <a:off x="5971592" y="93306"/>
-            <a:ext cx="0" cy="5542384"/>
-          </a:xfrm>
-          <a:prstGeom prst="line">
-            <a:avLst/>
-          </a:prstGeom>
-          <a:ln/>
-        </p:spPr>
-        <p:style>
-          <a:lnRef idx="3">
-            <a:schemeClr val="accent1"/>
-          </a:lnRef>
-          <a:fillRef idx="0">
-            <a:schemeClr val="accent1"/>
-          </a:fillRef>
-          <a:effectRef idx="2">
-            <a:schemeClr val="accent1"/>
-          </a:effectRef>
-          <a:fontRef idx="minor">
-            <a:schemeClr val="tx1"/>
-          </a:fontRef>
-        </p:style>
-      </p:cxnSp>
     </p:spTree>
     <p:extLst>
       <p:ext uri="{BB962C8B-B14F-4D97-AF65-F5344CB8AC3E}">
-        <p14:creationId xmlns:p14="http://schemas.microsoft.com/office/powerpoint/2010/main" val="3312729764"/>
+        <p14:creationId xmlns:p14="http://schemas.microsoft.com/office/powerpoint/2010/main" val="1242144102"/>
       </p:ext>
     </p:extLst>
   </p:cSld>
